--- a/Slide/E flight ticket purchase.pptx
+++ b/Slide/E flight ticket purchase.pptx
@@ -12,7 +12,8 @@
     <p:sldId id="260" r:id="rId6"/>
     <p:sldId id="258" r:id="rId7"/>
     <p:sldId id="264" r:id="rId8"/>
-    <p:sldId id="262" r:id="rId9"/>
+    <p:sldId id="268" r:id="rId9"/>
+    <p:sldId id="267" r:id="rId10"/>
   </p:sldIdLst>
   <p:sldSz cx="12192000" cy="6858000"/>
   <p:notesSz cx="6858000" cy="9144000"/>
@@ -4063,9 +4064,50 @@
         </p:nvSpPr>
         <p:spPr/>
         <p:txBody>
-          <a:bodyPr/>
-          <a:lstStyle/>
-          <a:p>
+          <a:bodyPr>
+            <a:normAutofit fontScale="92500" lnSpcReduction="10000"/>
+          </a:bodyPr>
+          <a:lstStyle/>
+          <a:p>
+            <a:r>
+              <a:rPr lang="en-US" dirty="0"/>
+              <a:t>Currently airlines industry has evolved into one of the most sophisticated and fascinating industries. Today, millions of people fly every day. So, this sophisticated industry need online ticket purchase system is one of the major contributors in the increase of the passengers using air travel. </a:t>
+            </a:r>
+          </a:p>
+          <a:p>
+            <a:r>
+              <a:rPr lang="en-US" dirty="0"/>
+              <a:t>Our project is on E flight booking system. </a:t>
+            </a:r>
+          </a:p>
+          <a:p>
+            <a:pPr lvl="1">
+              <a:buFont typeface="Wingdings" panose="05000000000000000000" pitchFamily="2" charset="2"/>
+              <a:buChar char="Ø"/>
+            </a:pPr>
+            <a:r>
+              <a:rPr lang="en-US" dirty="0"/>
+              <a:t> The user can view available flight and book a flight etc.. </a:t>
+            </a:r>
+          </a:p>
+          <a:p>
+            <a:pPr lvl="1">
+              <a:buFont typeface="Wingdings" panose="05000000000000000000" pitchFamily="2" charset="2"/>
+              <a:buChar char="Ø"/>
+            </a:pPr>
+            <a:r>
+              <a:rPr lang="en-US" dirty="0"/>
+              <a:t>The Admin can add flight, remove flight etc.</a:t>
+            </a:r>
+            <a:br>
+              <a:rPr lang="en-US" dirty="0"/>
+            </a:br>
+            <a:br>
+              <a:rPr lang="en-US" dirty="0"/>
+            </a:br>
+            <a:br>
+              <a:rPr lang="en-US" dirty="0"/>
+            </a:br>
             <a:endParaRPr lang="en-US" dirty="0"/>
           </a:p>
         </p:txBody>
@@ -4417,7 +4459,7 @@
         </p:blipFill>
         <p:spPr>
           <a:xfrm>
-            <a:off x="785469" y="156982"/>
+            <a:off x="653584" y="420751"/>
             <a:ext cx="9712036" cy="6544036"/>
           </a:xfrm>
           <a:prstGeom prst="rect">
@@ -4425,6 +4467,44 @@
           </a:prstGeom>
         </p:spPr>
       </p:pic>
+      <p:sp>
+        <p:nvSpPr>
+          <p:cNvPr id="2" name="TextBox 1">
+            <a:extLst>
+              <a:ext uri="{FF2B5EF4-FFF2-40B4-BE49-F238E27FC236}">
+                <a16:creationId xmlns:a16="http://schemas.microsoft.com/office/drawing/2014/main" id="{E5E7A458-4594-474C-97E7-DD6F242E8076}"/>
+              </a:ext>
+            </a:extLst>
+          </p:cNvPr>
+          <p:cNvSpPr txBox="1"/>
+          <p:nvPr/>
+        </p:nvSpPr>
+        <p:spPr>
+          <a:xfrm>
+            <a:off x="1925515" y="51419"/>
+            <a:ext cx="2284600" cy="646331"/>
+          </a:xfrm>
+          <a:prstGeom prst="rect">
+            <a:avLst/>
+          </a:prstGeom>
+          <a:noFill/>
+        </p:spPr>
+        <p:txBody>
+          <a:bodyPr wrap="none" rtlCol="0">
+            <a:spAutoFit/>
+          </a:bodyPr>
+          <a:lstStyle/>
+          <a:p>
+            <a:r>
+              <a:rPr lang="en-US" dirty="0"/>
+              <a:t>3.Use case description</a:t>
+            </a:r>
+          </a:p>
+          <a:p>
+            <a:endParaRPr lang="en-US" dirty="0"/>
+          </a:p>
+        </p:txBody>
+      </p:sp>
     </p:spTree>
     <p:extLst>
       <p:ext uri="{BB962C8B-B14F-4D97-AF65-F5344CB8AC3E}">
@@ -4653,7 +4733,7 @@
         <p:spPr>
           <a:xfrm>
             <a:off x="3385510" y="74322"/>
-            <a:ext cx="3466013" cy="369332"/>
+            <a:ext cx="3548344" cy="369332"/>
           </a:xfrm>
           <a:prstGeom prst="rect">
             <a:avLst/>
@@ -4667,14 +4747,13 @@
           <a:lstStyle/>
           <a:p>
             <a:r>
-              <a:rPr lang="en-US"/>
-              <a:t> </a:t>
-            </a:r>
-            <a:r>
-              <a:rPr lang="en-US" b="1"/>
+              <a:rPr lang="en-US" dirty="0"/>
+              <a:t> 4.</a:t>
+            </a:r>
+            <a:r>
+              <a:rPr lang="en-US" b="1" dirty="0"/>
               <a:t>System architecture diagram</a:t>
             </a:r>
-            <a:endParaRPr lang="en-US" b="1" dirty="0"/>
           </a:p>
         </p:txBody>
       </p:sp>
@@ -4736,7 +4815,7 @@
           <a:p>
             <a:r>
               <a:rPr lang="en-US" dirty="0"/>
-              <a:t> Key Abstractions</a:t>
+              <a:t> 5.Key Abstractions</a:t>
             </a:r>
           </a:p>
         </p:txBody>
@@ -4764,7 +4843,7 @@
           <a:p>
             <a:r>
               <a:rPr lang="en-US" dirty="0"/>
-              <a:t>User</a:t>
+              <a:t>Passenger</a:t>
             </a:r>
           </a:p>
           <a:p>
@@ -4795,6 +4874,12 @@
             <a:r>
               <a:rPr lang="en-US" dirty="0"/>
               <a:t>Flight</a:t>
+            </a:r>
+          </a:p>
+          <a:p>
+            <a:r>
+              <a:rPr lang="en-US" dirty="0"/>
+              <a:t>Admin</a:t>
             </a:r>
           </a:p>
           <a:p>
@@ -4838,10 +4923,171 @@
           <a:chExt cx="0" cy="0"/>
         </a:xfrm>
       </p:grpSpPr>
+      <p:sp>
+        <p:nvSpPr>
+          <p:cNvPr id="2" name="TextBox 1">
+            <a:extLst>
+              <a:ext uri="{FF2B5EF4-FFF2-40B4-BE49-F238E27FC236}">
+                <a16:creationId xmlns:a16="http://schemas.microsoft.com/office/drawing/2014/main" id="{B761B6F4-3522-4813-AF3C-8E2D2EC04360}"/>
+              </a:ext>
+            </a:extLst>
+          </p:cNvPr>
+          <p:cNvSpPr txBox="1"/>
+          <p:nvPr/>
+        </p:nvSpPr>
+        <p:spPr>
+          <a:xfrm>
+            <a:off x="2780522" y="93305"/>
+            <a:ext cx="1804084" cy="369332"/>
+          </a:xfrm>
+          <a:prstGeom prst="rect">
+            <a:avLst/>
+          </a:prstGeom>
+          <a:noFill/>
+        </p:spPr>
+        <p:txBody>
+          <a:bodyPr wrap="none" rtlCol="0">
+            <a:spAutoFit/>
+          </a:bodyPr>
+          <a:lstStyle/>
+          <a:p>
+            <a:r>
+              <a:rPr lang="en-US" dirty="0"/>
+              <a:t>6.VOPC Diagram</a:t>
+            </a:r>
+          </a:p>
+        </p:txBody>
+      </p:sp>
+      <p:pic>
+        <p:nvPicPr>
+          <p:cNvPr id="3" name="Picture 2">
+            <a:extLst>
+              <a:ext uri="{FF2B5EF4-FFF2-40B4-BE49-F238E27FC236}">
+                <a16:creationId xmlns:a16="http://schemas.microsoft.com/office/drawing/2014/main" id="{685E1518-A921-4210-8C79-8F4DE662BF8D}"/>
+              </a:ext>
+            </a:extLst>
+          </p:cNvPr>
+          <p:cNvPicPr>
+            <a:picLocks noChangeAspect="1"/>
+          </p:cNvPicPr>
+          <p:nvPr/>
+        </p:nvPicPr>
+        <p:blipFill>
+          <a:blip r:embed="rId2"/>
+          <a:stretch>
+            <a:fillRect/>
+          </a:stretch>
+        </p:blipFill>
+        <p:spPr>
+          <a:xfrm>
+            <a:off x="1374807" y="634482"/>
+            <a:ext cx="8105095" cy="4879909"/>
+          </a:xfrm>
+          <a:prstGeom prst="rect">
+            <a:avLst/>
+          </a:prstGeom>
+        </p:spPr>
+      </p:pic>
     </p:spTree>
     <p:extLst>
       <p:ext uri="{BB962C8B-B14F-4D97-AF65-F5344CB8AC3E}">
-        <p14:creationId xmlns:p14="http://schemas.microsoft.com/office/powerpoint/2010/main" val="2817937117"/>
+        <p14:creationId xmlns:p14="http://schemas.microsoft.com/office/powerpoint/2010/main" val="3526514061"/>
+      </p:ext>
+    </p:extLst>
+  </p:cSld>
+  <p:clrMapOvr>
+    <a:masterClrMapping/>
+  </p:clrMapOvr>
+</p:sld>
+</file>
+
+<file path=ppt/slides/slide9.xml><?xml version="1.0" encoding="utf-8"?>
+<p:sld xmlns:a="http://schemas.openxmlformats.org/drawingml/2006/main" xmlns:r="http://schemas.openxmlformats.org/officeDocument/2006/relationships" xmlns:p="http://schemas.openxmlformats.org/presentationml/2006/main">
+  <p:cSld>
+    <p:spTree>
+      <p:nvGrpSpPr>
+        <p:cNvPr id="1" name=""/>
+        <p:cNvGrpSpPr/>
+        <p:nvPr/>
+      </p:nvGrpSpPr>
+      <p:grpSpPr>
+        <a:xfrm>
+          <a:off x="0" y="0"/>
+          <a:ext cx="0" cy="0"/>
+          <a:chOff x="0" y="0"/>
+          <a:chExt cx="0" cy="0"/>
+        </a:xfrm>
+      </p:grpSpPr>
+      <p:sp>
+        <p:nvSpPr>
+          <p:cNvPr id="2" name="TextBox 1">
+            <a:extLst>
+              <a:ext uri="{FF2B5EF4-FFF2-40B4-BE49-F238E27FC236}">
+                <a16:creationId xmlns:a16="http://schemas.microsoft.com/office/drawing/2014/main" id="{05CB6090-874B-4948-AB81-9A64CD238418}"/>
+              </a:ext>
+            </a:extLst>
+          </p:cNvPr>
+          <p:cNvSpPr txBox="1"/>
+          <p:nvPr/>
+        </p:nvSpPr>
+        <p:spPr>
+          <a:xfrm>
+            <a:off x="2550845" y="123630"/>
+            <a:ext cx="2087431" cy="369332"/>
+          </a:xfrm>
+          <a:prstGeom prst="rect">
+            <a:avLst/>
+          </a:prstGeom>
+          <a:noFill/>
+        </p:spPr>
+        <p:txBody>
+          <a:bodyPr wrap="none" rtlCol="0">
+            <a:spAutoFit/>
+          </a:bodyPr>
+          <a:lstStyle/>
+          <a:p>
+            <a:r>
+              <a:rPr lang="en-US"/>
+              <a:t>6.Sequence Diagram</a:t>
+            </a:r>
+            <a:endParaRPr lang="en-US" dirty="0"/>
+          </a:p>
+        </p:txBody>
+      </p:sp>
+      <p:pic>
+        <p:nvPicPr>
+          <p:cNvPr id="4" name="Picture 3">
+            <a:extLst>
+              <a:ext uri="{FF2B5EF4-FFF2-40B4-BE49-F238E27FC236}">
+                <a16:creationId xmlns:a16="http://schemas.microsoft.com/office/drawing/2014/main" id="{C7B32042-A112-43F3-AA7A-A766FECA56F0}"/>
+              </a:ext>
+            </a:extLst>
+          </p:cNvPr>
+          <p:cNvPicPr>
+            <a:picLocks noChangeAspect="1"/>
+          </p:cNvPicPr>
+          <p:nvPr/>
+        </p:nvPicPr>
+        <p:blipFill>
+          <a:blip r:embed="rId2"/>
+          <a:stretch>
+            <a:fillRect/>
+          </a:stretch>
+        </p:blipFill>
+        <p:spPr>
+          <a:xfrm>
+            <a:off x="1162300" y="492962"/>
+            <a:ext cx="8560198" cy="5618589"/>
+          </a:xfrm>
+          <a:prstGeom prst="rect">
+            <a:avLst/>
+          </a:prstGeom>
+        </p:spPr>
+      </p:pic>
+    </p:spTree>
+    <p:extLst>
+      <p:ext uri="{BB962C8B-B14F-4D97-AF65-F5344CB8AC3E}">
+        <p14:creationId xmlns:p14="http://schemas.microsoft.com/office/powerpoint/2010/main" val="1178560005"/>
       </p:ext>
     </p:extLst>
   </p:cSld>

--- a/Slide/E flight ticket purchase.pptx
+++ b/Slide/E flight ticket purchase.pptx
@@ -9,10 +9,10 @@
     <p:sldId id="266" r:id="rId3"/>
     <p:sldId id="265" r:id="rId4"/>
     <p:sldId id="259" r:id="rId5"/>
-    <p:sldId id="260" r:id="rId6"/>
-    <p:sldId id="258" r:id="rId7"/>
-    <p:sldId id="264" r:id="rId8"/>
-    <p:sldId id="268" r:id="rId9"/>
+    <p:sldId id="269" r:id="rId6"/>
+    <p:sldId id="264" r:id="rId7"/>
+    <p:sldId id="268" r:id="rId8"/>
+    <p:sldId id="270" r:id="rId9"/>
     <p:sldId id="267" r:id="rId10"/>
   </p:sldIdLst>
   <p:sldSz cx="12192000" cy="6858000"/>
@@ -3907,7 +3907,9 @@
         </p:nvSpPr>
         <p:spPr/>
         <p:txBody>
-          <a:bodyPr/>
+          <a:bodyPr>
+            <a:normAutofit/>
+          </a:bodyPr>
           <a:lstStyle/>
           <a:p>
             <a:pPr marL="457200" indent="-457200">
@@ -3936,7 +3938,7 @@
             </a:pPr>
             <a:r>
               <a:rPr lang="en-US" dirty="0"/>
-              <a:t>Use case description</a:t>
+              <a:t>System architecture diagram</a:t>
             </a:r>
           </a:p>
           <a:p>
@@ -3946,7 +3948,7 @@
             </a:pPr>
             <a:r>
               <a:rPr lang="en-US" dirty="0"/>
-              <a:t>System architecture diagram</a:t>
+              <a:t>Key abstraction list</a:t>
             </a:r>
           </a:p>
           <a:p>
@@ -3956,7 +3958,7 @@
             </a:pPr>
             <a:r>
               <a:rPr lang="en-US" dirty="0"/>
-              <a:t>Key abstraction list</a:t>
+              <a:t>VOPC diagram</a:t>
             </a:r>
           </a:p>
           <a:p>
@@ -3966,7 +3968,7 @@
             </a:pPr>
             <a:r>
               <a:rPr lang="en-US" dirty="0"/>
-              <a:t>VOPC diagram</a:t>
+              <a:t>Use case description</a:t>
             </a:r>
           </a:p>
           <a:p>
@@ -4439,10 +4441,10 @@
       </p:grpSpPr>
       <p:pic>
         <p:nvPicPr>
-          <p:cNvPr id="6" name="Picture 5">
+          <p:cNvPr id="4" name="Picture 3">
             <a:extLst>
               <a:ext uri="{FF2B5EF4-FFF2-40B4-BE49-F238E27FC236}">
-                <a16:creationId xmlns:a16="http://schemas.microsoft.com/office/drawing/2014/main" id="{DC1CCC5F-4CAD-4982-AB1A-2A52342A7301}"/>
+                <a16:creationId xmlns:a16="http://schemas.microsoft.com/office/drawing/2014/main" id="{5E6E29BB-3880-486D-BE1E-1C416425CAD0}"/>
               </a:ext>
             </a:extLst>
           </p:cNvPr>
@@ -4459,8 +4461,8 @@
         </p:blipFill>
         <p:spPr>
           <a:xfrm>
-            <a:off x="653584" y="420751"/>
-            <a:ext cx="9712036" cy="6544036"/>
+            <a:off x="3029527" y="443344"/>
+            <a:ext cx="6645564" cy="5708073"/>
           </a:xfrm>
           <a:prstGeom prst="rect">
             <a:avLst/>
@@ -4469,10 +4471,10 @@
       </p:pic>
       <p:sp>
         <p:nvSpPr>
-          <p:cNvPr id="2" name="TextBox 1">
+          <p:cNvPr id="5" name="TextBox 4">
             <a:extLst>
               <a:ext uri="{FF2B5EF4-FFF2-40B4-BE49-F238E27FC236}">
-                <a16:creationId xmlns:a16="http://schemas.microsoft.com/office/drawing/2014/main" id="{E5E7A458-4594-474C-97E7-DD6F242E8076}"/>
+                <a16:creationId xmlns:a16="http://schemas.microsoft.com/office/drawing/2014/main" id="{1087BFE4-E54F-46D3-BCB3-860BB145C5E2}"/>
               </a:ext>
             </a:extLst>
           </p:cNvPr>
@@ -4481,8 +4483,8 @@
         </p:nvSpPr>
         <p:spPr>
           <a:xfrm>
-            <a:off x="1925515" y="51419"/>
-            <a:ext cx="2284600" cy="646331"/>
+            <a:off x="4059382" y="74012"/>
+            <a:ext cx="3484224" cy="369332"/>
           </a:xfrm>
           <a:prstGeom prst="rect">
             <a:avLst/>
@@ -4497,10 +4499,12 @@
           <a:p>
             <a:r>
               <a:rPr lang="en-US" dirty="0"/>
-              <a:t>3.Use case description</a:t>
-            </a:r>
-          </a:p>
-          <a:p>
+              <a:t>3.</a:t>
+            </a:r>
+            <a:r>
+              <a:rPr lang="en-US" b="1" dirty="0"/>
+              <a:t>System architecture diagram</a:t>
+            </a:r>
             <a:endParaRPr lang="en-US" dirty="0"/>
           </a:p>
         </p:txBody>
@@ -4508,7 +4512,7 @@
     </p:spTree>
     <p:extLst>
       <p:ext uri="{BB962C8B-B14F-4D97-AF65-F5344CB8AC3E}">
-        <p14:creationId xmlns:p14="http://schemas.microsoft.com/office/powerpoint/2010/main" val="2527934285"/>
+        <p14:creationId xmlns:p14="http://schemas.microsoft.com/office/powerpoint/2010/main" val="3879398796"/>
       </p:ext>
     </p:extLst>
   </p:cSld>
@@ -4537,230 +4541,114 @@
       </p:grpSpPr>
       <p:sp>
         <p:nvSpPr>
-          <p:cNvPr id="2" name="Rectangle 2">
+          <p:cNvPr id="2" name="Title 1">
             <a:extLst>
               <a:ext uri="{FF2B5EF4-FFF2-40B4-BE49-F238E27FC236}">
-                <a16:creationId xmlns:a16="http://schemas.microsoft.com/office/drawing/2014/main" id="{48573D6A-761A-4F64-8B3B-6CB1C5F28A90}"/>
+                <a16:creationId xmlns:a16="http://schemas.microsoft.com/office/drawing/2014/main" id="{52251840-3DB2-4AC2-8B98-5BF9F9A21567}"/>
               </a:ext>
             </a:extLst>
           </p:cNvPr>
           <p:cNvSpPr>
-            <a:spLocks noChangeArrowheads="1"/>
-          </p:cNvSpPr>
-          <p:nvPr/>
-        </p:nvSpPr>
-        <p:spPr bwMode="auto">
-          <a:xfrm>
-            <a:off x="-490582" y="-575292"/>
-            <a:ext cx="13217092" cy="646331"/>
-          </a:xfrm>
-          <a:prstGeom prst="rect">
-            <a:avLst/>
-          </a:prstGeom>
-          <a:noFill/>
-          <a:ln>
-            <a:noFill/>
-          </a:ln>
-          <a:effectLst/>
-          <a:extLst>
-            <a:ext uri="{909E8E84-426E-40DD-AFC4-6F175D3DCCD1}">
-              <a14:hiddenFill xmlns:a14="http://schemas.microsoft.com/office/drawing/2010/main">
-                <a:solidFill>
-                  <a:schemeClr val="accent1"/>
-                </a:solidFill>
-              </a14:hiddenFill>
-            </a:ext>
-            <a:ext uri="{91240B29-F687-4F45-9708-019B960494DF}">
-              <a14:hiddenLine xmlns:a14="http://schemas.microsoft.com/office/drawing/2010/main" w="9525">
-                <a:solidFill>
-                  <a:schemeClr val="tx1"/>
-                </a:solidFill>
-                <a:miter lim="800000"/>
-                <a:headEnd/>
-                <a:tailEnd/>
-              </a14:hiddenLine>
-            </a:ext>
-            <a:ext uri="{AF507438-7753-43E0-B8FC-AC1667EBCBE1}">
-              <a14:hiddenEffects xmlns:a14="http://schemas.microsoft.com/office/drawing/2010/main">
-                <a:effectLst>
-                  <a:outerShdw dist="35921" dir="2700000" algn="ctr" rotWithShape="0">
-                    <a:schemeClr val="bg2"/>
-                  </a:outerShdw>
-                </a:effectLst>
-              </a14:hiddenEffects>
-            </a:ext>
-          </a:extLst>
-        </p:spPr>
-        <p:txBody>
-          <a:bodyPr vert="horz" wrap="square" lIns="91440" tIns="45720" rIns="91440" bIns="45720" numCol="1" anchor="ctr" anchorCtr="0" compatLnSpc="1">
-            <a:prstTxWarp prst="textNoShape">
-              <a:avLst/>
-            </a:prstTxWarp>
-            <a:spAutoFit/>
-          </a:bodyPr>
-          <a:lstStyle/>
-          <a:p>
-            <a:pPr marL="0" marR="0" lvl="0" indent="0" algn="l" defTabSz="914400" rtl="0" eaLnBrk="0" fontAlgn="base" latinLnBrk="0" hangingPunct="0">
-              <a:lnSpc>
-                <a:spcPct val="100000"/>
-              </a:lnSpc>
-              <a:spcBef>
-                <a:spcPct val="0"/>
-              </a:spcBef>
-              <a:spcAft>
-                <a:spcPct val="0"/>
-              </a:spcAft>
-              <a:buClrTx/>
-              <a:buSzTx/>
-              <a:buFontTx/>
-              <a:buNone/>
-              <a:tabLst/>
-            </a:pPr>
-            <a:r>
-              <a:rPr kumimoji="0" lang="en-US" altLang="en-US" sz="1800" b="0" i="0" u="none" strike="noStrike" cap="none" normalizeH="0" baseline="0">
-                <a:ln>
-                  <a:noFill/>
-                </a:ln>
-                <a:solidFill>
-                  <a:schemeClr val="tx1"/>
-                </a:solidFill>
-                <a:effectLst/>
-                <a:latin typeface="Times New Roman" panose="02020603050405020304" pitchFamily="18" charset="0"/>
-                <a:ea typeface="Calibri" panose="020F0502020204030204" pitchFamily="34" charset="0"/>
-                <a:cs typeface="Times New Roman" panose="02020603050405020304" pitchFamily="18" charset="0"/>
-              </a:rPr>
-              <a:t>Architectural Design</a:t>
-            </a:r>
-            <a:endParaRPr kumimoji="0" lang="en-US" altLang="en-US" sz="400" b="0" i="0" u="none" strike="noStrike" cap="none" normalizeH="0" baseline="0">
-              <a:ln>
-                <a:noFill/>
-              </a:ln>
-              <a:solidFill>
-                <a:schemeClr val="tx1"/>
-              </a:solidFill>
-              <a:effectLst/>
-            </a:endParaRPr>
-          </a:p>
-          <a:p>
-            <a:pPr marL="0" marR="0" lvl="0" indent="0" algn="l" defTabSz="914400" rtl="0" eaLnBrk="0" fontAlgn="base" latinLnBrk="0" hangingPunct="0">
-              <a:lnSpc>
-                <a:spcPct val="100000"/>
-              </a:lnSpc>
-              <a:spcBef>
-                <a:spcPct val="0"/>
-              </a:spcBef>
-              <a:spcAft>
-                <a:spcPct val="0"/>
-              </a:spcAft>
-              <a:buClrTx/>
-              <a:buSzTx/>
-              <a:buFontTx/>
-              <a:buNone/>
-              <a:tabLst/>
-            </a:pPr>
-            <a:endParaRPr kumimoji="0" lang="en-US" altLang="en-US" sz="1800" b="0" i="0" u="none" strike="noStrike" cap="none" normalizeH="0" baseline="0">
-              <a:ln>
-                <a:noFill/>
-              </a:ln>
-              <a:solidFill>
-                <a:schemeClr val="tx1"/>
-              </a:solidFill>
-              <a:effectLst/>
-              <a:latin typeface="Arial" panose="020B0604020202020204" pitchFamily="34" charset="0"/>
-            </a:endParaRPr>
-          </a:p>
-        </p:txBody>
-      </p:sp>
-      <p:pic>
-        <p:nvPicPr>
-          <p:cNvPr id="3073" name="Picture 1">
+            <a:spLocks noGrp="1"/>
+          </p:cNvSpPr>
+          <p:nvPr>
+            <p:ph type="title"/>
+          </p:nvPr>
+        </p:nvSpPr>
+        <p:spPr>
+          <a:xfrm>
+            <a:off x="1451579" y="652863"/>
+            <a:ext cx="9603275" cy="1049235"/>
+          </a:xfrm>
+        </p:spPr>
+        <p:txBody>
+          <a:bodyPr/>
+          <a:lstStyle/>
+          <a:p>
+            <a:r>
+              <a:rPr lang="en-US" dirty="0"/>
+              <a:t> 4.Key Abstractions</a:t>
+            </a:r>
+          </a:p>
+        </p:txBody>
+      </p:sp>
+      <p:sp>
+        <p:nvSpPr>
+          <p:cNvPr id="3" name="Content Placeholder 2">
             <a:extLst>
               <a:ext uri="{FF2B5EF4-FFF2-40B4-BE49-F238E27FC236}">
-                <a16:creationId xmlns:a16="http://schemas.microsoft.com/office/drawing/2014/main" id="{45811B4F-0FCD-434A-87C1-9C5FB1798E58}"/>
+                <a16:creationId xmlns:a16="http://schemas.microsoft.com/office/drawing/2014/main" id="{ADE695F4-6524-48B7-9AB8-43F2C29EB955}"/>
               </a:ext>
             </a:extLst>
           </p:cNvPr>
-          <p:cNvPicPr>
-            <a:picLocks noChangeAspect="1" noChangeArrowheads="1"/>
-          </p:cNvPicPr>
-          <p:nvPr/>
-        </p:nvPicPr>
-        <p:blipFill>
-          <a:blip r:embed="rId2">
-            <a:extLst>
-              <a:ext uri="{28A0092B-C50C-407E-A947-70E740481C1C}">
-                <a14:useLocalDpi xmlns:a14="http://schemas.microsoft.com/office/drawing/2010/main" val="0"/>
-              </a:ext>
-            </a:extLst>
-          </a:blip>
-          <a:srcRect/>
-          <a:stretch>
-            <a:fillRect/>
-          </a:stretch>
-        </p:blipFill>
-        <p:spPr bwMode="auto">
-          <a:xfrm>
-            <a:off x="1349949" y="443654"/>
-            <a:ext cx="7703263" cy="5992830"/>
-          </a:xfrm>
-          <a:prstGeom prst="rect">
-            <a:avLst/>
-          </a:prstGeom>
-          <a:noFill/>
-          <a:extLst>
-            <a:ext uri="{909E8E84-426E-40DD-AFC4-6F175D3DCCD1}">
-              <a14:hiddenFill xmlns:a14="http://schemas.microsoft.com/office/drawing/2010/main">
-                <a:solidFill>
-                  <a:srgbClr val="FFFFFF"/>
-                </a:solidFill>
-              </a14:hiddenFill>
-            </a:ext>
-          </a:extLst>
-        </p:spPr>
-      </p:pic>
-      <p:sp>
-        <p:nvSpPr>
-          <p:cNvPr id="4" name="TextBox 3">
-            <a:extLst>
-              <a:ext uri="{FF2B5EF4-FFF2-40B4-BE49-F238E27FC236}">
-                <a16:creationId xmlns:a16="http://schemas.microsoft.com/office/drawing/2014/main" id="{DFF3C174-AAA4-48C5-BCD7-31F2BA56E58B}"/>
-              </a:ext>
-            </a:extLst>
-          </p:cNvPr>
-          <p:cNvSpPr txBox="1"/>
-          <p:nvPr/>
-        </p:nvSpPr>
-        <p:spPr>
-          <a:xfrm>
-            <a:off x="3385510" y="74322"/>
-            <a:ext cx="3548344" cy="369332"/>
-          </a:xfrm>
-          <a:prstGeom prst="rect">
-            <a:avLst/>
-          </a:prstGeom>
-          <a:noFill/>
-        </p:spPr>
-        <p:txBody>
-          <a:bodyPr wrap="none" rtlCol="0">
-            <a:spAutoFit/>
-          </a:bodyPr>
+          <p:cNvSpPr>
+            <a:spLocks noGrp="1"/>
+          </p:cNvSpPr>
+          <p:nvPr>
+            <p:ph idx="1"/>
+          </p:nvPr>
+        </p:nvSpPr>
+        <p:spPr/>
+        <p:txBody>
+          <a:bodyPr/>
           <a:lstStyle/>
           <a:p>
             <a:r>
               <a:rPr lang="en-US" dirty="0"/>
-              <a:t> 4.</a:t>
-            </a:r>
-            <a:r>
-              <a:rPr lang="en-US" b="1" dirty="0"/>
-              <a:t>System architecture diagram</a:t>
-            </a:r>
+              <a:t>Passenger</a:t>
+            </a:r>
+          </a:p>
+          <a:p>
+            <a:r>
+              <a:rPr lang="en-US" dirty="0"/>
+              <a:t>Airline </a:t>
+            </a:r>
+          </a:p>
+          <a:p>
+            <a:r>
+              <a:rPr lang="en-US" dirty="0"/>
+              <a:t>Airplane</a:t>
+            </a:r>
+          </a:p>
+          <a:p>
+            <a:r>
+              <a:rPr lang="en-US" dirty="0"/>
+              <a:t>Booking</a:t>
+            </a:r>
+          </a:p>
+          <a:p>
+            <a:r>
+              <a:rPr lang="en-US" dirty="0"/>
+              <a:t>Airport</a:t>
+            </a:r>
+          </a:p>
+          <a:p>
+            <a:r>
+              <a:rPr lang="en-US" dirty="0"/>
+              <a:t>Flight</a:t>
+            </a:r>
+          </a:p>
+          <a:p>
+            <a:r>
+              <a:rPr lang="en-US" dirty="0"/>
+              <a:t>Admin</a:t>
+            </a:r>
+          </a:p>
+          <a:p>
+            <a:pPr marL="0" indent="0">
+              <a:buNone/>
+            </a:pPr>
+            <a:endParaRPr lang="en-US" dirty="0"/>
+          </a:p>
+          <a:p>
+            <a:endParaRPr lang="en-US" dirty="0"/>
           </a:p>
         </p:txBody>
       </p:sp>
     </p:spTree>
     <p:extLst>
       <p:ext uri="{BB962C8B-B14F-4D97-AF65-F5344CB8AC3E}">
-        <p14:creationId xmlns:p14="http://schemas.microsoft.com/office/powerpoint/2010/main" val="2594431379"/>
+        <p14:creationId xmlns:p14="http://schemas.microsoft.com/office/powerpoint/2010/main" val="940150732"/>
       </p:ext>
     </p:extLst>
   </p:cSld>
@@ -4789,114 +4677,73 @@
       </p:grpSpPr>
       <p:sp>
         <p:nvSpPr>
-          <p:cNvPr id="2" name="Title 1">
+          <p:cNvPr id="2" name="TextBox 1">
             <a:extLst>
               <a:ext uri="{FF2B5EF4-FFF2-40B4-BE49-F238E27FC236}">
-                <a16:creationId xmlns:a16="http://schemas.microsoft.com/office/drawing/2014/main" id="{52251840-3DB2-4AC2-8B98-5BF9F9A21567}"/>
+                <a16:creationId xmlns:a16="http://schemas.microsoft.com/office/drawing/2014/main" id="{B761B6F4-3522-4813-AF3C-8E2D2EC04360}"/>
               </a:ext>
             </a:extLst>
           </p:cNvPr>
-          <p:cNvSpPr>
-            <a:spLocks noGrp="1"/>
-          </p:cNvSpPr>
-          <p:nvPr>
-            <p:ph type="title"/>
-          </p:nvPr>
+          <p:cNvSpPr txBox="1"/>
+          <p:nvPr/>
         </p:nvSpPr>
         <p:spPr>
           <a:xfrm>
-            <a:off x="1451579" y="652863"/>
-            <a:ext cx="9603275" cy="1049235"/>
-          </a:xfrm>
-        </p:spPr>
-        <p:txBody>
-          <a:bodyPr/>
+            <a:off x="2780522" y="93305"/>
+            <a:ext cx="1804084" cy="369332"/>
+          </a:xfrm>
+          <a:prstGeom prst="rect">
+            <a:avLst/>
+          </a:prstGeom>
+          <a:noFill/>
+        </p:spPr>
+        <p:txBody>
+          <a:bodyPr wrap="none" rtlCol="0">
+            <a:spAutoFit/>
+          </a:bodyPr>
           <a:lstStyle/>
           <a:p>
             <a:r>
               <a:rPr lang="en-US" dirty="0"/>
-              <a:t> 5.Key Abstractions</a:t>
-            </a:r>
-          </a:p>
-        </p:txBody>
-      </p:sp>
-      <p:sp>
-        <p:nvSpPr>
-          <p:cNvPr id="3" name="Content Placeholder 2">
+              <a:t>5.VOPC Diagram</a:t>
+            </a:r>
+          </a:p>
+        </p:txBody>
+      </p:sp>
+      <p:pic>
+        <p:nvPicPr>
+          <p:cNvPr id="3" name="Picture 2">
             <a:extLst>
               <a:ext uri="{FF2B5EF4-FFF2-40B4-BE49-F238E27FC236}">
-                <a16:creationId xmlns:a16="http://schemas.microsoft.com/office/drawing/2014/main" id="{ADE695F4-6524-48B7-9AB8-43F2C29EB955}"/>
+                <a16:creationId xmlns:a16="http://schemas.microsoft.com/office/drawing/2014/main" id="{685E1518-A921-4210-8C79-8F4DE662BF8D}"/>
               </a:ext>
             </a:extLst>
           </p:cNvPr>
-          <p:cNvSpPr>
-            <a:spLocks noGrp="1"/>
-          </p:cNvSpPr>
-          <p:nvPr>
-            <p:ph idx="1"/>
-          </p:nvPr>
-        </p:nvSpPr>
-        <p:spPr/>
-        <p:txBody>
-          <a:bodyPr/>
-          <a:lstStyle/>
-          <a:p>
-            <a:r>
-              <a:rPr lang="en-US" dirty="0"/>
-              <a:t>Passenger</a:t>
-            </a:r>
-          </a:p>
-          <a:p>
-            <a:r>
-              <a:rPr lang="en-US" dirty="0"/>
-              <a:t>Airline </a:t>
-            </a:r>
-          </a:p>
-          <a:p>
-            <a:r>
-              <a:rPr lang="en-US" dirty="0"/>
-              <a:t>Airplane</a:t>
-            </a:r>
-          </a:p>
-          <a:p>
-            <a:r>
-              <a:rPr lang="en-US" dirty="0"/>
-              <a:t>Booking</a:t>
-            </a:r>
-          </a:p>
-          <a:p>
-            <a:r>
-              <a:rPr lang="en-US" dirty="0"/>
-              <a:t>Airport</a:t>
-            </a:r>
-          </a:p>
-          <a:p>
-            <a:r>
-              <a:rPr lang="en-US" dirty="0"/>
-              <a:t>Flight</a:t>
-            </a:r>
-          </a:p>
-          <a:p>
-            <a:r>
-              <a:rPr lang="en-US" dirty="0"/>
-              <a:t>Admin</a:t>
-            </a:r>
-          </a:p>
-          <a:p>
-            <a:pPr marL="0" indent="0">
-              <a:buNone/>
-            </a:pPr>
-            <a:endParaRPr lang="en-US" dirty="0"/>
-          </a:p>
-          <a:p>
-            <a:endParaRPr lang="en-US" dirty="0"/>
-          </a:p>
-        </p:txBody>
-      </p:sp>
+          <p:cNvPicPr>
+            <a:picLocks noChangeAspect="1"/>
+          </p:cNvPicPr>
+          <p:nvPr/>
+        </p:nvPicPr>
+        <p:blipFill>
+          <a:blip r:embed="rId2"/>
+          <a:stretch>
+            <a:fillRect/>
+          </a:stretch>
+        </p:blipFill>
+        <p:spPr>
+          <a:xfrm>
+            <a:off x="1374807" y="634482"/>
+            <a:ext cx="8105095" cy="4879909"/>
+          </a:xfrm>
+          <a:prstGeom prst="rect">
+            <a:avLst/>
+          </a:prstGeom>
+        </p:spPr>
+      </p:pic>
     </p:spTree>
     <p:extLst>
       <p:ext uri="{BB962C8B-B14F-4D97-AF65-F5344CB8AC3E}">
-        <p14:creationId xmlns:p14="http://schemas.microsoft.com/office/powerpoint/2010/main" val="940150732"/>
+        <p14:creationId xmlns:p14="http://schemas.microsoft.com/office/powerpoint/2010/main" val="3526514061"/>
       </p:ext>
     </p:extLst>
   </p:cSld>
@@ -4923,47 +4770,12 @@
           <a:chExt cx="0" cy="0"/>
         </a:xfrm>
       </p:grpSpPr>
-      <p:sp>
-        <p:nvSpPr>
-          <p:cNvPr id="2" name="TextBox 1">
+      <p:pic>
+        <p:nvPicPr>
+          <p:cNvPr id="2" name="Picture 1">
             <a:extLst>
               <a:ext uri="{FF2B5EF4-FFF2-40B4-BE49-F238E27FC236}">
-                <a16:creationId xmlns:a16="http://schemas.microsoft.com/office/drawing/2014/main" id="{B761B6F4-3522-4813-AF3C-8E2D2EC04360}"/>
-              </a:ext>
-            </a:extLst>
-          </p:cNvPr>
-          <p:cNvSpPr txBox="1"/>
-          <p:nvPr/>
-        </p:nvSpPr>
-        <p:spPr>
-          <a:xfrm>
-            <a:off x="2780522" y="93305"/>
-            <a:ext cx="1804084" cy="369332"/>
-          </a:xfrm>
-          <a:prstGeom prst="rect">
-            <a:avLst/>
-          </a:prstGeom>
-          <a:noFill/>
-        </p:spPr>
-        <p:txBody>
-          <a:bodyPr wrap="none" rtlCol="0">
-            <a:spAutoFit/>
-          </a:bodyPr>
-          <a:lstStyle/>
-          <a:p>
-            <a:r>
-              <a:rPr lang="en-US" dirty="0"/>
-              <a:t>6.VOPC Diagram</a:t>
-            </a:r>
-          </a:p>
-        </p:txBody>
-      </p:sp>
-      <p:pic>
-        <p:nvPicPr>
-          <p:cNvPr id="3" name="Picture 2">
-            <a:extLst>
-              <a:ext uri="{FF2B5EF4-FFF2-40B4-BE49-F238E27FC236}">
-                <a16:creationId xmlns:a16="http://schemas.microsoft.com/office/drawing/2014/main" id="{685E1518-A921-4210-8C79-8F4DE662BF8D}"/>
+                <a16:creationId xmlns:a16="http://schemas.microsoft.com/office/drawing/2014/main" id="{D6C34FD1-EF72-480B-8246-7211F29FCBDF}"/>
               </a:ext>
             </a:extLst>
           </p:cNvPr>
@@ -4980,18 +4792,56 @@
         </p:blipFill>
         <p:spPr>
           <a:xfrm>
-            <a:off x="1374807" y="634482"/>
-            <a:ext cx="8105095" cy="4879909"/>
+            <a:off x="653584" y="420751"/>
+            <a:ext cx="9712036" cy="6544036"/>
           </a:xfrm>
           <a:prstGeom prst="rect">
             <a:avLst/>
           </a:prstGeom>
         </p:spPr>
       </p:pic>
+      <p:sp>
+        <p:nvSpPr>
+          <p:cNvPr id="3" name="TextBox 2">
+            <a:extLst>
+              <a:ext uri="{FF2B5EF4-FFF2-40B4-BE49-F238E27FC236}">
+                <a16:creationId xmlns:a16="http://schemas.microsoft.com/office/drawing/2014/main" id="{B9BB0503-61A4-440C-8338-E9617F943FDE}"/>
+              </a:ext>
+            </a:extLst>
+          </p:cNvPr>
+          <p:cNvSpPr txBox="1"/>
+          <p:nvPr/>
+        </p:nvSpPr>
+        <p:spPr>
+          <a:xfrm>
+            <a:off x="1925515" y="51419"/>
+            <a:ext cx="2284600" cy="646331"/>
+          </a:xfrm>
+          <a:prstGeom prst="rect">
+            <a:avLst/>
+          </a:prstGeom>
+          <a:noFill/>
+        </p:spPr>
+        <p:txBody>
+          <a:bodyPr wrap="none" rtlCol="0">
+            <a:spAutoFit/>
+          </a:bodyPr>
+          <a:lstStyle/>
+          <a:p>
+            <a:r>
+              <a:rPr lang="en-US" dirty="0"/>
+              <a:t>6.Use case description</a:t>
+            </a:r>
+          </a:p>
+          <a:p>
+            <a:endParaRPr lang="en-US" dirty="0"/>
+          </a:p>
+        </p:txBody>
+      </p:sp>
     </p:spTree>
     <p:extLst>
       <p:ext uri="{BB962C8B-B14F-4D97-AF65-F5344CB8AC3E}">
-        <p14:creationId xmlns:p14="http://schemas.microsoft.com/office/powerpoint/2010/main" val="3526514061"/>
+        <p14:creationId xmlns:p14="http://schemas.microsoft.com/office/powerpoint/2010/main" val="3845056735"/>
       </p:ext>
     </p:extLst>
   </p:cSld>
@@ -5047,10 +4897,9 @@
           <a:lstStyle/>
           <a:p>
             <a:r>
-              <a:rPr lang="en-US"/>
-              <a:t>6.Sequence Diagram</a:t>
-            </a:r>
-            <a:endParaRPr lang="en-US" dirty="0"/>
+              <a:rPr lang="en-US" dirty="0"/>
+              <a:t>7.Sequence Diagram</a:t>
+            </a:r>
           </a:p>
         </p:txBody>
       </p:sp>

--- a/Slide/E flight ticket purchase.pptx
+++ b/Slide/E flight ticket purchase.pptx
@@ -4905,10 +4905,10 @@
       </p:sp>
       <p:pic>
         <p:nvPicPr>
-          <p:cNvPr id="4" name="Picture 3">
+          <p:cNvPr id="3" name="Picture 2">
             <a:extLst>
               <a:ext uri="{FF2B5EF4-FFF2-40B4-BE49-F238E27FC236}">
-                <a16:creationId xmlns:a16="http://schemas.microsoft.com/office/drawing/2014/main" id="{C7B32042-A112-43F3-AA7A-A766FECA56F0}"/>
+                <a16:creationId xmlns:a16="http://schemas.microsoft.com/office/drawing/2014/main" id="{44FCF637-D57C-400A-88C4-7437CDBC564C}"/>
               </a:ext>
             </a:extLst>
           </p:cNvPr>
@@ -4925,8 +4925,8 @@
         </p:blipFill>
         <p:spPr>
           <a:xfrm>
-            <a:off x="1162300" y="492962"/>
-            <a:ext cx="8560198" cy="5618589"/>
+            <a:off x="1644073" y="492962"/>
+            <a:ext cx="8534639" cy="5777345"/>
           </a:xfrm>
           <a:prstGeom prst="rect">
             <a:avLst/>

--- a/Slide/E flight ticket purchase.pptx
+++ b/Slide/E flight ticket purchase.pptx
@@ -259,7 +259,7 @@
           <a:p>
             <a:fld id="{4AAD347D-5ACD-4C99-B74B-A9C85AD731AF}" type="datetimeFigureOut">
               <a:rPr lang="en-US" smtClean="0"/>
-              <a:t>10/4/2019</a:t>
+              <a:t>10/5/2019</a:t>
             </a:fld>
             <a:endParaRPr lang="en-US" dirty="0"/>
           </a:p>
@@ -470,7 +470,7 @@
           <a:p>
             <a:fld id="{4509A250-FF31-4206-8172-F9D3106AACB1}" type="datetimeFigureOut">
               <a:rPr lang="en-US" smtClean="0"/>
-              <a:t>10/4/2019</a:t>
+              <a:t>10/5/2019</a:t>
             </a:fld>
             <a:endParaRPr lang="en-US" dirty="0"/>
           </a:p>
@@ -685,7 +685,7 @@
           <a:p>
             <a:fld id="{4509A250-FF31-4206-8172-F9D3106AACB1}" type="datetimeFigureOut">
               <a:rPr lang="en-US" smtClean="0"/>
-              <a:t>10/4/2019</a:t>
+              <a:t>10/5/2019</a:t>
             </a:fld>
             <a:endParaRPr lang="en-US" dirty="0"/>
           </a:p>
@@ -886,7 +886,7 @@
           <a:p>
             <a:fld id="{4509A250-FF31-4206-8172-F9D3106AACB1}" type="datetimeFigureOut">
               <a:rPr lang="en-US" smtClean="0"/>
-              <a:t>10/4/2019</a:t>
+              <a:t>10/5/2019</a:t>
             </a:fld>
             <a:endParaRPr lang="en-US" dirty="0"/>
           </a:p>
@@ -1165,7 +1165,7 @@
           <a:p>
             <a:fld id="{9796027F-7875-4030-9381-8BD8C4F21935}" type="datetimeFigureOut">
               <a:rPr lang="en-US" smtClean="0"/>
-              <a:t>10/4/2019</a:t>
+              <a:t>10/5/2019</a:t>
             </a:fld>
             <a:endParaRPr lang="en-US" dirty="0"/>
           </a:p>
@@ -1433,7 +1433,7 @@
           <a:p>
             <a:fld id="{9796027F-7875-4030-9381-8BD8C4F21935}" type="datetimeFigureOut">
               <a:rPr lang="en-US" smtClean="0"/>
-              <a:t>10/4/2019</a:t>
+              <a:t>10/5/2019</a:t>
             </a:fld>
             <a:endParaRPr lang="en-US" dirty="0"/>
           </a:p>
@@ -1849,7 +1849,7 @@
           <a:p>
             <a:fld id="{9796027F-7875-4030-9381-8BD8C4F21935}" type="datetimeFigureOut">
               <a:rPr lang="en-US" smtClean="0"/>
-              <a:t>10/4/2019</a:t>
+              <a:t>10/5/2019</a:t>
             </a:fld>
             <a:endParaRPr lang="en-US" dirty="0"/>
           </a:p>
@@ -1998,7 +1998,7 @@
           <a:p>
             <a:fld id="{4509A250-FF31-4206-8172-F9D3106AACB1}" type="datetimeFigureOut">
               <a:rPr lang="en-US" smtClean="0"/>
-              <a:t>10/4/2019</a:t>
+              <a:t>10/5/2019</a:t>
             </a:fld>
             <a:endParaRPr lang="en-US" dirty="0"/>
           </a:p>
@@ -2124,7 +2124,7 @@
           <a:p>
             <a:fld id="{4509A250-FF31-4206-8172-F9D3106AACB1}" type="datetimeFigureOut">
               <a:rPr lang="en-US" smtClean="0"/>
-              <a:t>10/4/2019</a:t>
+              <a:t>10/5/2019</a:t>
             </a:fld>
             <a:endParaRPr lang="en-US" dirty="0"/>
           </a:p>
@@ -2375,7 +2375,7 @@
           <a:p>
             <a:fld id="{4509A250-FF31-4206-8172-F9D3106AACB1}" type="datetimeFigureOut">
               <a:rPr lang="en-US" smtClean="0"/>
-              <a:t>10/4/2019</a:t>
+              <a:t>10/5/2019</a:t>
             </a:fld>
             <a:endParaRPr lang="en-US" dirty="0"/>
           </a:p>
@@ -2820,7 +2820,7 @@
           <a:p>
             <a:fld id="{4509A250-FF31-4206-8172-F9D3106AACB1}" type="datetimeFigureOut">
               <a:rPr lang="en-US" smtClean="0"/>
-              <a:t>10/4/2019</a:t>
+              <a:t>10/5/2019</a:t>
             </a:fld>
             <a:endParaRPr lang="en-US" dirty="0"/>
           </a:p>
@@ -3147,7 +3147,7 @@
           <a:p>
             <a:fld id="{4AAD347D-5ACD-4C99-B74B-A9C85AD731AF}" type="datetimeFigureOut">
               <a:rPr lang="en-US" smtClean="0"/>
-              <a:t>10/4/2019</a:t>
+              <a:t>10/5/2019</a:t>
             </a:fld>
             <a:endParaRPr lang="en-US" dirty="0"/>
           </a:p>
@@ -4905,10 +4905,10 @@
       </p:sp>
       <p:pic>
         <p:nvPicPr>
-          <p:cNvPr id="3" name="Picture 2">
+          <p:cNvPr id="7" name="Picture 6">
             <a:extLst>
               <a:ext uri="{FF2B5EF4-FFF2-40B4-BE49-F238E27FC236}">
-                <a16:creationId xmlns:a16="http://schemas.microsoft.com/office/drawing/2014/main" id="{44FCF637-D57C-400A-88C4-7437CDBC564C}"/>
+                <a16:creationId xmlns:a16="http://schemas.microsoft.com/office/drawing/2014/main" id="{FAB31264-FD57-48B8-A89E-63CB709CDB40}"/>
               </a:ext>
             </a:extLst>
           </p:cNvPr>
@@ -4925,8 +4925,8 @@
         </p:blipFill>
         <p:spPr>
           <a:xfrm>
-            <a:off x="1644073" y="492962"/>
-            <a:ext cx="8534639" cy="5777345"/>
+            <a:off x="1921784" y="420254"/>
+            <a:ext cx="8348432" cy="5837381"/>
           </a:xfrm>
           <a:prstGeom prst="rect">
             <a:avLst/>

--- a/Slide/E flight ticket purchase.pptx
+++ b/Slide/E flight ticket purchase.pptx
@@ -4712,10 +4712,10 @@
       </p:sp>
       <p:pic>
         <p:nvPicPr>
-          <p:cNvPr id="3" name="Picture 2">
+          <p:cNvPr id="4" name="Picture 3">
             <a:extLst>
               <a:ext uri="{FF2B5EF4-FFF2-40B4-BE49-F238E27FC236}">
-                <a16:creationId xmlns:a16="http://schemas.microsoft.com/office/drawing/2014/main" id="{685E1518-A921-4210-8C79-8F4DE662BF8D}"/>
+                <a16:creationId xmlns:a16="http://schemas.microsoft.com/office/drawing/2014/main" id="{772E56EC-86FC-4A3C-8294-89734FB9ADE9}"/>
               </a:ext>
             </a:extLst>
           </p:cNvPr>
@@ -4732,8 +4732,8 @@
         </p:blipFill>
         <p:spPr>
           <a:xfrm>
-            <a:off x="1374807" y="634482"/>
-            <a:ext cx="8105095" cy="4879909"/>
+            <a:off x="1477384" y="462637"/>
+            <a:ext cx="8970532" cy="6086475"/>
           </a:xfrm>
           <a:prstGeom prst="rect">
             <a:avLst/>
